--- a/Prediction-Competition-Powerpoint.pptx
+++ b/Prediction-Competition-Powerpoint.pptx
@@ -3307,171 +3307,6 @@
       </p:grpSpPr>
       <p:sp>
         <p:nvSpPr>
-          <p:cNvPr id="3" name="Subtitle 2">
-            <a:extLst>
-              <a:ext uri="{FF2B5EF4-FFF2-40B4-BE49-F238E27FC236}">
-                <a16:creationId xmlns:a16="http://schemas.microsoft.com/office/drawing/2014/main" id="{75891FEA-6F0D-D777-1323-D08C427668EC}"/>
-              </a:ext>
-            </a:extLst>
-          </p:cNvPr>
-          <p:cNvSpPr>
-            <a:spLocks noGrp="1"/>
-          </p:cNvSpPr>
-          <p:nvPr>
-            <p:ph type="subTitle" idx="1"/>
-          </p:nvPr>
-        </p:nvSpPr>
-        <p:spPr>
-          <a:xfrm>
-            <a:off x="1262729" y="5499895"/>
-            <a:ext cx="9638443" cy="484633"/>
-          </a:xfrm>
-        </p:spPr>
-        <p:txBody>
-          <a:bodyPr>
-            <a:normAutofit/>
-          </a:bodyPr>
-          <a:lstStyle/>
-          <a:p>
-            <a:r>
-              <a:rPr lang="en-US" dirty="0"/>
-              <a:t>Alexis Weigel, Mikayla Bardwell, Cora Hansen, Myles Terry</a:t>
-            </a:r>
-          </a:p>
-          <a:p>
-            <a:endParaRPr lang="en-US" dirty="0"/>
-          </a:p>
-        </p:txBody>
-      </p:sp>
-      <p:sp>
-        <p:nvSpPr>
-          <p:cNvPr id="8" name="Rectangle 7">
-            <a:extLst>
-              <a:ext uri="{FF2B5EF4-FFF2-40B4-BE49-F238E27FC236}">
-                <a16:creationId xmlns:a16="http://schemas.microsoft.com/office/drawing/2014/main" id="{84167985-D6E9-40FF-97C0-4B6D373E85C9}"/>
-              </a:ext>
-              <a:ext uri="{C183D7F6-B498-43B3-948B-1728B52AA6E4}">
-                <adec:decorative xmlns:adec="http://schemas.microsoft.com/office/drawing/2017/decorative" val="1"/>
-              </a:ext>
-            </a:extLst>
-          </p:cNvPr>
-          <p:cNvSpPr>
-            <a:spLocks noGrp="1" noRot="1" noChangeAspect="1" noMove="1" noResize="1" noEditPoints="1" noAdjustHandles="1" noChangeArrowheads="1" noChangeShapeType="1" noTextEdit="1"/>
-          </p:cNvSpPr>
-          <p:nvPr>
-            <p:extLst>
-              <p:ext uri="{386F3935-93C4-4BCD-93E2-E3B085C9AB24}">
-                <p16:designElem xmlns:p16="http://schemas.microsoft.com/office/powerpoint/2015/main" val="1"/>
-              </p:ext>
-            </p:extLst>
-          </p:nvPr>
-        </p:nvSpPr>
-        <p:spPr>
-          <a:xfrm>
-            <a:off x="640068" y="640080"/>
-            <a:ext cx="10911865" cy="4626864"/>
-          </a:xfrm>
-          <a:prstGeom prst="rect">
-            <a:avLst/>
-          </a:prstGeom>
-          <a:noFill/>
-          <a:ln w="31750" cap="sq">
-            <a:solidFill>
-              <a:srgbClr val="FFFFFF"/>
-            </a:solidFill>
-            <a:miter lim="800000"/>
-          </a:ln>
-        </p:spPr>
-        <p:style>
-          <a:lnRef idx="2">
-            <a:schemeClr val="accent1">
-              <a:shade val="50000"/>
-            </a:schemeClr>
-          </a:lnRef>
-          <a:fillRef idx="1">
-            <a:schemeClr val="accent1"/>
-          </a:fillRef>
-          <a:effectRef idx="0">
-            <a:schemeClr val="accent1"/>
-          </a:effectRef>
-          <a:fontRef idx="minor">
-            <a:schemeClr val="lt1"/>
-          </a:fontRef>
-        </p:style>
-        <p:txBody>
-          <a:bodyPr rtlCol="0" anchor="ctr"/>
-          <a:lstStyle/>
-          <a:p>
-            <a:pPr algn="ctr"/>
-            <a:endParaRPr lang="en-US" dirty="0"/>
-          </a:p>
-        </p:txBody>
-      </p:sp>
-      <p:sp>
-        <p:nvSpPr>
-          <p:cNvPr id="10" name="Rectangle 9">
-            <a:extLst>
-              <a:ext uri="{FF2B5EF4-FFF2-40B4-BE49-F238E27FC236}">
-                <a16:creationId xmlns:a16="http://schemas.microsoft.com/office/drawing/2014/main" id="{68801362-349C-44BE-BEF6-8E926E1D38BC}"/>
-              </a:ext>
-              <a:ext uri="{C183D7F6-B498-43B3-948B-1728B52AA6E4}">
-                <adec:decorative xmlns:adec="http://schemas.microsoft.com/office/drawing/2017/decorative" val="1"/>
-              </a:ext>
-            </a:extLst>
-          </p:cNvPr>
-          <p:cNvSpPr>
-            <a:spLocks noGrp="1" noRot="1" noChangeAspect="1" noMove="1" noResize="1" noEditPoints="1" noAdjustHandles="1" noChangeArrowheads="1" noChangeShapeType="1" noTextEdit="1"/>
-          </p:cNvSpPr>
-          <p:nvPr>
-            <p:extLst>
-              <p:ext uri="{386F3935-93C4-4BCD-93E2-E3B085C9AB24}">
-                <p16:designElem xmlns:p16="http://schemas.microsoft.com/office/powerpoint/2015/main" val="1"/>
-              </p:ext>
-            </p:extLst>
-          </p:nvPr>
-        </p:nvSpPr>
-        <p:spPr>
-          <a:xfrm>
-            <a:off x="806196" y="804672"/>
-            <a:ext cx="10579608" cy="4297680"/>
-          </a:xfrm>
-          <a:prstGeom prst="rect">
-            <a:avLst/>
-          </a:prstGeom>
-          <a:solidFill>
-            <a:srgbClr val="FFFFFF"/>
-          </a:solidFill>
-          <a:ln>
-            <a:noFill/>
-          </a:ln>
-        </p:spPr>
-        <p:style>
-          <a:lnRef idx="2">
-            <a:schemeClr val="accent1">
-              <a:shade val="50000"/>
-            </a:schemeClr>
-          </a:lnRef>
-          <a:fillRef idx="1">
-            <a:schemeClr val="accent1"/>
-          </a:fillRef>
-          <a:effectRef idx="0">
-            <a:schemeClr val="accent1"/>
-          </a:effectRef>
-          <a:fontRef idx="minor">
-            <a:schemeClr val="lt1"/>
-          </a:fontRef>
-        </p:style>
-        <p:txBody>
-          <a:bodyPr rtlCol="0" anchor="ctr"/>
-          <a:lstStyle/>
-          <a:p>
-            <a:pPr algn="ctr"/>
-            <a:endParaRPr lang="en-US"/>
-          </a:p>
-        </p:txBody>
-      </p:sp>
-      <p:sp>
-        <p:nvSpPr>
           <p:cNvPr id="2" name="Title 1">
             <a:extLst>
               <a:ext uri="{FF2B5EF4-FFF2-40B4-BE49-F238E27FC236}">
@@ -3505,6 +3340,44 @@
               <a:rPr lang="en-US" sz="5000"/>
               <a:t>Prediction Competition</a:t>
             </a:r>
+          </a:p>
+        </p:txBody>
+      </p:sp>
+      <p:sp>
+        <p:nvSpPr>
+          <p:cNvPr id="3" name="Subtitle 2">
+            <a:extLst>
+              <a:ext uri="{FF2B5EF4-FFF2-40B4-BE49-F238E27FC236}">
+                <a16:creationId xmlns:a16="http://schemas.microsoft.com/office/drawing/2014/main" id="{75891FEA-6F0D-D777-1323-D08C427668EC}"/>
+              </a:ext>
+            </a:extLst>
+          </p:cNvPr>
+          <p:cNvSpPr>
+            <a:spLocks noGrp="1"/>
+          </p:cNvSpPr>
+          <p:nvPr>
+            <p:ph type="subTitle" idx="1"/>
+          </p:nvPr>
+        </p:nvSpPr>
+        <p:spPr>
+          <a:xfrm>
+            <a:off x="1262729" y="5499895"/>
+            <a:ext cx="9638443" cy="484633"/>
+          </a:xfrm>
+        </p:spPr>
+        <p:txBody>
+          <a:bodyPr>
+            <a:normAutofit/>
+          </a:bodyPr>
+          <a:lstStyle/>
+          <a:p>
+            <a:r>
+              <a:rPr lang="en-US" dirty="0"/>
+              <a:t>Alexis Weigel, Mikayla Bardwell, Cora Hansen, Myles Terry</a:t>
+            </a:r>
+          </a:p>
+          <a:p>
+            <a:endParaRPr lang="en-US" dirty="0"/>
           </a:p>
         </p:txBody>
       </p:sp>
@@ -3882,18 +3755,51 @@
         <a:srgbClr val="738F97"/>
       </a:folHlink>
     </a:clrScheme>
-    <a:fontScheme name="Parcel">
+    <a:fontScheme name="Times New Roman-Arial">
       <a:majorFont>
-        <a:latin typeface="Gill Sans MT" panose="020B0502020104020203"/>
+        <a:latin typeface="Times New Roman" panose="02020603050405020304"/>
         <a:ea typeface=""/>
         <a:cs typeface=""/>
-        <a:font script="Grek" typeface="Corbel"/>
-        <a:font script="Cyrl" typeface="Corbel"/>
-        <a:font script="Jpan" typeface="HGｺﾞｼｯｸE"/>
-        <a:font script="Hang" typeface="휴먼매직체"/>
-        <a:font script="Hans" typeface="华文中宋"/>
+        <a:font script="Jpan" typeface="ＭＳ Ｐ明朝"/>
+        <a:font script="Hang" typeface="바탕"/>
+        <a:font script="Hans" typeface="宋体"/>
+        <a:font script="Hant" typeface="新細明體"/>
+        <a:font script="Arab" typeface="Times New Roman"/>
+        <a:font script="Hebr" typeface="Times New Roman"/>
+        <a:font script="Thai" typeface="Angsana New"/>
+        <a:font script="Ethi" typeface="Nyala"/>
+        <a:font script="Beng" typeface="Vrinda"/>
+        <a:font script="Gujr" typeface="Shruti"/>
+        <a:font script="Khmr" typeface="MoolBoran"/>
+        <a:font script="Knda" typeface="Tunga"/>
+        <a:font script="Guru" typeface="Raavi"/>
+        <a:font script="Cans" typeface="Euphemia"/>
+        <a:font script="Cher" typeface="Plantagenet Cherokee"/>
+        <a:font script="Yiii" typeface="Microsoft Yi Baiti"/>
+        <a:font script="Tibt" typeface="Microsoft Himalaya"/>
+        <a:font script="Thaa" typeface="MV Boli"/>
+        <a:font script="Deva" typeface="Mangal"/>
+        <a:font script="Telu" typeface="Gautami"/>
+        <a:font script="Taml" typeface="Latha"/>
+        <a:font script="Syrc" typeface="Estrangelo Edessa"/>
+        <a:font script="Orya" typeface="Kalinga"/>
+        <a:font script="Mlym" typeface="Kartika"/>
+        <a:font script="Laoo" typeface="DokChampa"/>
+        <a:font script="Sinh" typeface="Iskoola Pota"/>
+        <a:font script="Mong" typeface="Mongolian Baiti"/>
+        <a:font script="Viet" typeface="Times New Roman"/>
+        <a:font script="Uigh" typeface="Microsoft Uighur"/>
+        <a:font script="Geor" typeface="Sylfaen"/>
+      </a:majorFont>
+      <a:minorFont>
+        <a:latin typeface="Arial" panose="020B0604020202020204"/>
+        <a:ea typeface=""/>
+        <a:cs typeface=""/>
+        <a:font script="Jpan" typeface="ＭＳ Ｐゴシック"/>
+        <a:font script="Hang" typeface="돋움"/>
+        <a:font script="Hans" typeface="黑体"/>
         <a:font script="Hant" typeface="微軟正黑體"/>
-        <a:font script="Arab" typeface="Majalla UI"/>
+        <a:font script="Arab" typeface="Arial"/>
         <a:font script="Hebr" typeface="Arial"/>
         <a:font script="Thai" typeface="Cordia New"/>
         <a:font script="Ethi" typeface="Nyala"/>
@@ -3916,44 +3822,7 @@
         <a:font script="Laoo" typeface="DokChampa"/>
         <a:font script="Sinh" typeface="Iskoola Pota"/>
         <a:font script="Mong" typeface="Mongolian Baiti"/>
-        <a:font script="Viet" typeface="Tahoma"/>
-        <a:font script="Uigh" typeface="Microsoft Uighur"/>
-        <a:font script="Geor" typeface="Sylfaen"/>
-      </a:majorFont>
-      <a:minorFont>
-        <a:latin typeface="Gill Sans MT" panose="020B0502020104020203"/>
-        <a:ea typeface=""/>
-        <a:cs typeface=""/>
-        <a:font script="Grek" typeface="Corbel"/>
-        <a:font script="Cyrl" typeface="Corbel"/>
-        <a:font script="Jpan" typeface="HGｺﾞｼｯｸE"/>
-        <a:font script="Hang" typeface="휴먼매직체"/>
-        <a:font script="Hans" typeface="华文中宋"/>
-        <a:font script="Hant" typeface="微軟正黑體"/>
-        <a:font script="Arab" typeface="Majalla UI"/>
-        <a:font script="Hebr" typeface="Arial"/>
-        <a:font script="Thai" typeface="Cordia New"/>
-        <a:font script="Ethi" typeface="Nyala"/>
-        <a:font script="Beng" typeface="Vrinda"/>
-        <a:font script="Gujr" typeface="Shruti"/>
-        <a:font script="Khmr" typeface="DaunPenh"/>
-        <a:font script="Knda" typeface="Tunga"/>
-        <a:font script="Guru" typeface="Raavi"/>
-        <a:font script="Cans" typeface="Euphemia"/>
-        <a:font script="Cher" typeface="Plantagenet Cherokee"/>
-        <a:font script="Yiii" typeface="Microsoft Yi Baiti"/>
-        <a:font script="Tibt" typeface="Microsoft Himalaya"/>
-        <a:font script="Thaa" typeface="MV Boli"/>
-        <a:font script="Deva" typeface="Mangal"/>
-        <a:font script="Telu" typeface="Gautami"/>
-        <a:font script="Taml" typeface="Latha"/>
-        <a:font script="Syrc" typeface="Estrangelo Edessa"/>
-        <a:font script="Orya" typeface="Kalinga"/>
-        <a:font script="Mlym" typeface="Kartika"/>
-        <a:font script="Laoo" typeface="DokChampa"/>
-        <a:font script="Sinh" typeface="Iskoola Pota"/>
-        <a:font script="Mong" typeface="Mongolian Baiti"/>
-        <a:font script="Viet" typeface="Tahoma"/>
+        <a:font script="Viet" typeface="Arial"/>
         <a:font script="Uigh" typeface="Microsoft Uighur"/>
         <a:font script="Geor" typeface="Sylfaen"/>
       </a:minorFont>

--- a/Prediction-Competition-Powerpoint.pptx
+++ b/Prediction-Competition-Powerpoint.pptx
@@ -108,6 +108,11 @@
       </a:defRPr>
     </a:lvl9pPr>
   </p:defaultTextStyle>
+  <p:extLst>
+    <p:ext uri="{EFAFB233-063F-42B5-8137-9DF3F51BA10A}">
+      <p15:sldGuideLst xmlns:p15="http://schemas.microsoft.com/office/powerpoint/2012/main"/>
+    </p:ext>
+  </p:extLst>
 </p:presentation>
 </file>
 
@@ -274,7 +279,7 @@
           <a:p>
             <a:fld id="{6720AF8A-312A-D346-AF10-6F1799074228}" type="datetimeFigureOut">
               <a:rPr lang="en-US" smtClean="0"/>
-              <a:t>4/27/22</a:t>
+              <a:t>5/4/22</a:t>
             </a:fld>
             <a:endParaRPr lang="en-US"/>
           </a:p>
@@ -444,7 +449,7 @@
           <a:p>
             <a:fld id="{6720AF8A-312A-D346-AF10-6F1799074228}" type="datetimeFigureOut">
               <a:rPr lang="en-US" smtClean="0"/>
-              <a:t>4/27/22</a:t>
+              <a:t>5/4/22</a:t>
             </a:fld>
             <a:endParaRPr lang="en-US"/>
           </a:p>
@@ -624,7 +629,7 @@
           <a:p>
             <a:fld id="{6720AF8A-312A-D346-AF10-6F1799074228}" type="datetimeFigureOut">
               <a:rPr lang="en-US" smtClean="0"/>
-              <a:t>4/27/22</a:t>
+              <a:t>5/4/22</a:t>
             </a:fld>
             <a:endParaRPr lang="en-US"/>
           </a:p>
@@ -794,7 +799,7 @@
           <a:p>
             <a:fld id="{6720AF8A-312A-D346-AF10-6F1799074228}" type="datetimeFigureOut">
               <a:rPr lang="en-US" smtClean="0"/>
-              <a:t>4/27/22</a:t>
+              <a:t>5/4/22</a:t>
             </a:fld>
             <a:endParaRPr lang="en-US"/>
           </a:p>
@@ -1062,7 +1067,7 @@
           <a:p>
             <a:fld id="{6720AF8A-312A-D346-AF10-6F1799074228}" type="datetimeFigureOut">
               <a:rPr lang="en-US" smtClean="0"/>
-              <a:t>4/27/22</a:t>
+              <a:t>5/4/22</a:t>
             </a:fld>
             <a:endParaRPr lang="en-US"/>
           </a:p>
@@ -1294,7 +1299,7 @@
           <a:p>
             <a:fld id="{6720AF8A-312A-D346-AF10-6F1799074228}" type="datetimeFigureOut">
               <a:rPr lang="en-US" smtClean="0"/>
-              <a:t>4/27/22</a:t>
+              <a:t>5/4/22</a:t>
             </a:fld>
             <a:endParaRPr lang="en-US"/>
           </a:p>
@@ -1653,7 +1658,7 @@
           <a:p>
             <a:fld id="{6720AF8A-312A-D346-AF10-6F1799074228}" type="datetimeFigureOut">
               <a:rPr lang="en-US" smtClean="0"/>
-              <a:t>4/27/22</a:t>
+              <a:t>5/4/22</a:t>
             </a:fld>
             <a:endParaRPr lang="en-US"/>
           </a:p>
@@ -1794,7 +1799,7 @@
           <a:p>
             <a:fld id="{6720AF8A-312A-D346-AF10-6F1799074228}" type="datetimeFigureOut">
               <a:rPr lang="en-US" smtClean="0"/>
-              <a:t>4/27/22</a:t>
+              <a:t>5/4/22</a:t>
             </a:fld>
             <a:endParaRPr lang="en-US"/>
           </a:p>
@@ -1889,7 +1894,7 @@
           <a:p>
             <a:fld id="{6720AF8A-312A-D346-AF10-6F1799074228}" type="datetimeFigureOut">
               <a:rPr lang="en-US" smtClean="0"/>
-              <a:t>4/27/22</a:t>
+              <a:t>5/4/22</a:t>
             </a:fld>
             <a:endParaRPr lang="en-US"/>
           </a:p>
@@ -2246,7 +2251,7 @@
           <a:p>
             <a:fld id="{6720AF8A-312A-D346-AF10-6F1799074228}" type="datetimeFigureOut">
               <a:rPr lang="en-US" smtClean="0"/>
-              <a:t>4/27/22</a:t>
+              <a:t>5/4/22</a:t>
             </a:fld>
             <a:endParaRPr lang="en-US"/>
           </a:p>
@@ -2603,7 +2608,7 @@
           <a:p>
             <a:fld id="{6720AF8A-312A-D346-AF10-6F1799074228}" type="datetimeFigureOut">
               <a:rPr lang="en-US" smtClean="0"/>
-              <a:t>4/27/22</a:t>
+              <a:t>5/4/22</a:t>
             </a:fld>
             <a:endParaRPr lang="en-US"/>
           </a:p>
@@ -2845,7 +2850,7 @@
           <a:p>
             <a:fld id="{6720AF8A-312A-D346-AF10-6F1799074228}" type="datetimeFigureOut">
               <a:rPr lang="en-US" smtClean="0"/>
-              <a:t>4/27/22</a:t>
+              <a:t>5/4/22</a:t>
             </a:fld>
             <a:endParaRPr lang="en-US"/>
           </a:p>
@@ -3373,7 +3378,7 @@
           <a:p>
             <a:r>
               <a:rPr lang="en-US" dirty="0"/>
-              <a:t>Alexis Weigel, Mikayla Bardwell, Cora Hansen, Myles Terry</a:t>
+              <a:t>Mikayla Bardwell, Cora Hansen, Myles Terry, Alexis Weigel, </a:t>
             </a:r>
           </a:p>
           <a:p>
@@ -3432,7 +3437,10 @@
           <a:bodyPr/>
           <a:lstStyle/>
           <a:p>
-            <a:endParaRPr lang="en-US"/>
+            <a:r>
+              <a:rPr lang="en-US" dirty="0"/>
+              <a:t>Models we fit</a:t>
+            </a:r>
           </a:p>
         </p:txBody>
       </p:sp>
@@ -3512,7 +3520,10 @@
           <a:bodyPr/>
           <a:lstStyle/>
           <a:p>
-            <a:endParaRPr lang="en-US"/>
+            <a:r>
+              <a:rPr lang="en-US" dirty="0"/>
+              <a:t>RMSE</a:t>
+            </a:r>
           </a:p>
         </p:txBody>
       </p:sp>
@@ -3592,7 +3603,10 @@
           <a:bodyPr/>
           <a:lstStyle/>
           <a:p>
-            <a:endParaRPr lang="en-US"/>
+            <a:r>
+              <a:rPr lang="en-US" dirty="0"/>
+              <a:t>Best model</a:t>
+            </a:r>
           </a:p>
         </p:txBody>
       </p:sp>
@@ -3672,7 +3686,10 @@
           <a:bodyPr/>
           <a:lstStyle/>
           <a:p>
-            <a:endParaRPr lang="en-US"/>
+            <a:r>
+              <a:rPr lang="en-US" dirty="0"/>
+              <a:t>Thank you!</a:t>
+            </a:r>
           </a:p>
         </p:txBody>
       </p:sp>
@@ -3697,7 +3714,10 @@
           <a:bodyPr/>
           <a:lstStyle/>
           <a:p>
-            <a:endParaRPr lang="en-US"/>
+            <a:r>
+              <a:rPr lang="en-US" dirty="0"/>
+              <a:t>Questions?</a:t>
+            </a:r>
           </a:p>
         </p:txBody>
       </p:sp>
